--- a/Week 4/Week4.pptx
+++ b/Week 4/Week4.pptx
@@ -15227,11 +15227,14 @@
               </a:spcBef>
             </a:pPr>
             <a:r>
-              <a:rPr lang="en-US" sz="8000" dirty="0">
+              <a:rPr lang="en-US" sz="8000">
                 <a:latin typeface="HelveticaNeueLT Pro 55 Roman" panose="020B0604020202020204" pitchFamily="34" charset="0"/>
               </a:rPr>
-              <a:t>Basic Web</a:t>
-            </a:r>
+              <a:t>Command Injection</a:t>
+            </a:r>
+            <a:endParaRPr lang="en-US" sz="8000" dirty="0">
+              <a:latin typeface="HelveticaNeueLT Pro 55 Roman" panose="020B0604020202020204" pitchFamily="34" charset="0"/>
+            </a:endParaRPr>
           </a:p>
         </p:txBody>
       </p:sp>
